--- a/presentation/Presentation1.pptx
+++ b/presentation/Presentation1.pptx
@@ -5,16 +5,17 @@
     <p:sldMasterId id="2147483648" r:id="rId1"/>
   </p:sldMasterIdLst>
   <p:notesMasterIdLst>
-    <p:notesMasterId r:id="rId9"/>
+    <p:notesMasterId r:id="rId10"/>
   </p:notesMasterIdLst>
   <p:sldIdLst>
     <p:sldId id="256" r:id="rId2"/>
     <p:sldId id="257" r:id="rId3"/>
     <p:sldId id="260" r:id="rId4"/>
-    <p:sldId id="258" r:id="rId5"/>
-    <p:sldId id="259" r:id="rId6"/>
-    <p:sldId id="262" r:id="rId7"/>
-    <p:sldId id="261" r:id="rId8"/>
+    <p:sldId id="259" r:id="rId5"/>
+    <p:sldId id="263" r:id="rId6"/>
+    <p:sldId id="258" r:id="rId7"/>
+    <p:sldId id="262" r:id="rId8"/>
+    <p:sldId id="261" r:id="rId9"/>
   </p:sldIdLst>
   <p:sldSz cx="12192000" cy="6858000"/>
   <p:notesSz cx="6858000" cy="9144000"/>
@@ -121,6 +122,33 @@
 </p:presentation>
 </file>
 
+<file path=ppt/authors.xml><?xml version="1.0" encoding="utf-8"?>
+<p188:authorLst xmlns:a="http://schemas.openxmlformats.org/drawingml/2006/main" xmlns:r="http://schemas.openxmlformats.org/officeDocument/2006/relationships" xmlns:p188="http://schemas.microsoft.com/office/powerpoint/2018/8/main">
+  <p188:author id="{42433461-BD86-9BF5-684B-33250E153660}" name="k k" initials="kk" userId="6843d3d042186a1f" providerId="Windows Live"/>
+</p188:authorLst>
+</file>
+
+<file path=ppt/comments/modernComment_104_A865F206.xml><?xml version="1.0" encoding="utf-8"?>
+<p188:cmLst xmlns:a="http://schemas.openxmlformats.org/drawingml/2006/main" xmlns:r="http://schemas.openxmlformats.org/officeDocument/2006/relationships" xmlns:p188="http://schemas.microsoft.com/office/powerpoint/2018/8/main">
+  <p188:cm id="{B93ED116-33CE-6E44-B3F4-0AB3023F81E1}" authorId="{42433461-BD86-9BF5-684B-33250E153660}" created="2023-02-21T20:33:12.064">
+    <pc:sldMkLst xmlns:pc="http://schemas.microsoft.com/office/powerpoint/2013/main/command">
+      <pc:docMk/>
+      <pc:sldMk cId="2825253382" sldId="260"/>
+    </pc:sldMkLst>
+    <p188:txBody>
+      <a:bodyPr/>
+      <a:lstStyle/>
+      <a:p>
+        <a:r>
+          <a:rPr lang="en-US"/>
+          <a:t>Linked transaction</a:t>
+        </a:r>
+      </a:p>
+    </p188:txBody>
+  </p188:cm>
+</p188:cmLst>
+</file>
+
 <file path=ppt/notesMasters/notesMaster1.xml><?xml version="1.0" encoding="utf-8"?>
 <p:notesMaster xmlns:a="http://schemas.openxmlformats.org/drawingml/2006/main" xmlns:r="http://schemas.openxmlformats.org/officeDocument/2006/relationships" xmlns:p="http://schemas.openxmlformats.org/presentationml/2006/main">
   <p:cSld>
@@ -203,7 +231,7 @@
           <a:p>
             <a:fld id="{52B4180B-107C-FD42-82F3-49E9BB9A0BC5}" type="datetimeFigureOut">
               <a:rPr lang="en-US" smtClean="0"/>
-              <a:t>2/20/23</a:t>
+              <a:t>2/21/23</a:t>
             </a:fld>
             <a:endParaRPr lang="en-US"/>
           </a:p>
@@ -599,6 +627,22 @@
           <a:bodyPr/>
           <a:lstStyle/>
           <a:p>
+            <a:pPr>
+              <a:buFont typeface="+mj-lt"/>
+              <a:buAutoNum type="arabicPeriod"/>
+            </a:pPr>
+            <a:r>
+              <a:rPr lang="en-GB" sz="1800" dirty="0">
+                <a:effectLst/>
+                <a:latin typeface="Calibri" panose="020F0502020204030204" pitchFamily="34" charset="0"/>
+              </a:rPr>
+              <a:t>To assist in keeping the functionality as simple as possible the unit tests do not need to cover all possible scenarios, simply that they pass for the scenario they cover in your code e.g., if you only have code which works for a certain price range of house then only this needs to be covered in the tests. </a:t>
+            </a:r>
+            <a:endParaRPr lang="en-GB" sz="2800" dirty="0">
+              <a:effectLst/>
+            </a:endParaRPr>
+          </a:p>
+          <a:p>
             <a:pPr marL="0" marR="0" lvl="0" indent="0" algn="l" defTabSz="914400" rtl="0" eaLnBrk="1" fontAlgn="auto" latinLnBrk="0" hangingPunct="1">
               <a:lnSpc>
                 <a:spcPct val="100000"/>
@@ -616,14 +660,39 @@
               <a:tabLst/>
               <a:defRPr/>
             </a:pPr>
-            <a:r>
-              <a:rPr lang="en-GB" sz="1200" dirty="0">
+            <a:endParaRPr lang="en-GB" sz="1800" dirty="0">
+              <a:effectLst/>
+              <a:latin typeface="Calibri" panose="020F0502020204030204" pitchFamily="34" charset="0"/>
+            </a:endParaRPr>
+          </a:p>
+          <a:p>
+            <a:pPr marL="0" marR="0" lvl="0" indent="0" algn="l" defTabSz="914400" rtl="0" eaLnBrk="1" fontAlgn="auto" latinLnBrk="0" hangingPunct="1">
+              <a:lnSpc>
+                <a:spcPct val="100000"/>
+              </a:lnSpc>
+              <a:spcBef>
+                <a:spcPts val="0"/>
+              </a:spcBef>
+              <a:spcAft>
+                <a:spcPts val="0"/>
+              </a:spcAft>
+              <a:buClrTx/>
+              <a:buSzTx/>
+              <a:buFontTx/>
+              <a:buNone/>
+              <a:tabLst/>
+              <a:defRPr/>
+            </a:pPr>
+            <a:r>
+              <a:rPr lang="en-GB" sz="1800" dirty="0">
                 <a:effectLst/>
                 <a:latin typeface="Calibri" panose="020F0502020204030204" pitchFamily="34" charset="0"/>
               </a:rPr>
-              <a:t>understanding in unfamiliar business domains, </a:t>
-            </a:r>
-            <a:endParaRPr lang="en-GB" dirty="0"/>
+              <a:t>2. For the pair programming to be achievable in a small-time frame we ask you do not move far beyond this minimum e.g., adding a UI or other ancillary capabilities. The pair programming will focus on adding more logic to the LBTT calculation. Anything extra will be a wasted effort on your part or could get in the way of achieving the task. </a:t>
+            </a:r>
+            <a:endParaRPr lang="en-GB" dirty="0">
+              <a:effectLst/>
+            </a:endParaRPr>
           </a:p>
           <a:p>
             <a:endParaRPr lang="en-US" dirty="0"/>
@@ -656,7 +725,7 @@
     </p:spTree>
     <p:extLst>
       <p:ext uri="{BB962C8B-B14F-4D97-AF65-F5344CB8AC3E}">
-        <p14:creationId xmlns:p14="http://schemas.microsoft.com/office/powerpoint/2010/main" val="469721052"/>
+        <p14:creationId xmlns:p14="http://schemas.microsoft.com/office/powerpoint/2010/main" val="2665733464"/>
       </p:ext>
     </p:extLst>
   </p:cSld>
@@ -710,74 +779,6 @@
           <a:bodyPr/>
           <a:lstStyle/>
           <a:p>
-            <a:pPr>
-              <a:buFont typeface="+mj-lt"/>
-              <a:buAutoNum type="arabicPeriod"/>
-            </a:pPr>
-            <a:r>
-              <a:rPr lang="en-GB" sz="1800" dirty="0">
-                <a:effectLst/>
-                <a:latin typeface="Calibri" panose="020F0502020204030204" pitchFamily="34" charset="0"/>
-              </a:rPr>
-              <a:t>To assist in keeping the functionality as simple as possible the unit tests do not need to cover all possible scenarios, simply that they pass for the scenario they cover in your code e.g., if you only have code which works for a certain price range of house then only this needs to be covered in the tests. </a:t>
-            </a:r>
-            <a:endParaRPr lang="en-GB" sz="2800" dirty="0">
-              <a:effectLst/>
-            </a:endParaRPr>
-          </a:p>
-          <a:p>
-            <a:pPr marL="0" marR="0" lvl="0" indent="0" algn="l" defTabSz="914400" rtl="0" eaLnBrk="1" fontAlgn="auto" latinLnBrk="0" hangingPunct="1">
-              <a:lnSpc>
-                <a:spcPct val="100000"/>
-              </a:lnSpc>
-              <a:spcBef>
-                <a:spcPts val="0"/>
-              </a:spcBef>
-              <a:spcAft>
-                <a:spcPts val="0"/>
-              </a:spcAft>
-              <a:buClrTx/>
-              <a:buSzTx/>
-              <a:buFontTx/>
-              <a:buNone/>
-              <a:tabLst/>
-              <a:defRPr/>
-            </a:pPr>
-            <a:endParaRPr lang="en-GB" sz="1800" dirty="0">
-              <a:effectLst/>
-              <a:latin typeface="Calibri" panose="020F0502020204030204" pitchFamily="34" charset="0"/>
-            </a:endParaRPr>
-          </a:p>
-          <a:p>
-            <a:pPr marL="0" marR="0" lvl="0" indent="0" algn="l" defTabSz="914400" rtl="0" eaLnBrk="1" fontAlgn="auto" latinLnBrk="0" hangingPunct="1">
-              <a:lnSpc>
-                <a:spcPct val="100000"/>
-              </a:lnSpc>
-              <a:spcBef>
-                <a:spcPts val="0"/>
-              </a:spcBef>
-              <a:spcAft>
-                <a:spcPts val="0"/>
-              </a:spcAft>
-              <a:buClrTx/>
-              <a:buSzTx/>
-              <a:buFontTx/>
-              <a:buNone/>
-              <a:tabLst/>
-              <a:defRPr/>
-            </a:pPr>
-            <a:r>
-              <a:rPr lang="en-GB" sz="1800" dirty="0">
-                <a:effectLst/>
-                <a:latin typeface="Calibri" panose="020F0502020204030204" pitchFamily="34" charset="0"/>
-              </a:rPr>
-              <a:t>2. For the pair programming to be achievable in a small-time frame we ask you do not move far beyond this minimum e.g., adding a UI or other ancillary capabilities. The pair programming will focus on adding more logic to the LBTT calculation. Anything extra will be a wasted effort on your part or could get in the way of achieving the task. </a:t>
-            </a:r>
-            <a:endParaRPr lang="en-GB" dirty="0">
-              <a:effectLst/>
-            </a:endParaRPr>
-          </a:p>
-          <a:p>
             <a:endParaRPr lang="en-US" dirty="0"/>
           </a:p>
         </p:txBody>
@@ -808,7 +809,7 @@
     </p:spTree>
     <p:extLst>
       <p:ext uri="{BB962C8B-B14F-4D97-AF65-F5344CB8AC3E}">
-        <p14:creationId xmlns:p14="http://schemas.microsoft.com/office/powerpoint/2010/main" val="2665733464"/>
+        <p14:creationId xmlns:p14="http://schemas.microsoft.com/office/powerpoint/2010/main" val="3634383520"/>
       </p:ext>
     </p:extLst>
   </p:cSld>
@@ -862,10 +863,34 @@
           <a:bodyPr/>
           <a:lstStyle/>
           <a:p>
-            <a:r>
-              <a:rPr lang="en-US" dirty="0"/>
-              <a:t>Notes</a:t>
-            </a:r>
+            <a:pPr marL="0" marR="0" lvl="0" indent="0" algn="l" defTabSz="914400" rtl="0" eaLnBrk="1" fontAlgn="auto" latinLnBrk="0" hangingPunct="1">
+              <a:lnSpc>
+                <a:spcPct val="100000"/>
+              </a:lnSpc>
+              <a:spcBef>
+                <a:spcPts val="0"/>
+              </a:spcBef>
+              <a:spcAft>
+                <a:spcPts val="0"/>
+              </a:spcAft>
+              <a:buClrTx/>
+              <a:buSzTx/>
+              <a:buFontTx/>
+              <a:buNone/>
+              <a:tabLst/>
+              <a:defRPr/>
+            </a:pPr>
+            <a:r>
+              <a:rPr lang="en-GB" sz="1200" dirty="0">
+                <a:effectLst/>
+                <a:latin typeface="Calibri" panose="020F0502020204030204" pitchFamily="34" charset="0"/>
+              </a:rPr>
+              <a:t>understanding in unfamiliar business domains, </a:t>
+            </a:r>
+            <a:endParaRPr lang="en-GB" dirty="0"/>
+          </a:p>
+          <a:p>
+            <a:endParaRPr lang="en-US" dirty="0"/>
           </a:p>
         </p:txBody>
       </p:sp>
@@ -887,6 +912,93 @@
             <a:fld id="{B4851E81-7F41-EB4B-84E5-4C7A20D67119}" type="slidenum">
               <a:rPr lang="en-US" smtClean="0"/>
               <a:t>6</a:t>
+            </a:fld>
+            <a:endParaRPr lang="en-US"/>
+          </a:p>
+        </p:txBody>
+      </p:sp>
+    </p:spTree>
+    <p:extLst>
+      <p:ext uri="{BB962C8B-B14F-4D97-AF65-F5344CB8AC3E}">
+        <p14:creationId xmlns:p14="http://schemas.microsoft.com/office/powerpoint/2010/main" val="469721052"/>
+      </p:ext>
+    </p:extLst>
+  </p:cSld>
+  <p:clrMapOvr>
+    <a:masterClrMapping/>
+  </p:clrMapOvr>
+</p:notes>
+</file>
+
+<file path=ppt/notesSlides/notesSlide5.xml><?xml version="1.0" encoding="utf-8"?>
+<p:notes xmlns:a="http://schemas.openxmlformats.org/drawingml/2006/main" xmlns:r="http://schemas.openxmlformats.org/officeDocument/2006/relationships" xmlns:p="http://schemas.openxmlformats.org/presentationml/2006/main">
+  <p:cSld>
+    <p:spTree>
+      <p:nvGrpSpPr>
+        <p:cNvPr id="1" name=""/>
+        <p:cNvGrpSpPr/>
+        <p:nvPr/>
+      </p:nvGrpSpPr>
+      <p:grpSpPr>
+        <a:xfrm>
+          <a:off x="0" y="0"/>
+          <a:ext cx="0" cy="0"/>
+          <a:chOff x="0" y="0"/>
+          <a:chExt cx="0" cy="0"/>
+        </a:xfrm>
+      </p:grpSpPr>
+      <p:sp>
+        <p:nvSpPr>
+          <p:cNvPr id="2" name="Slide Image Placeholder 1"/>
+          <p:cNvSpPr>
+            <a:spLocks noGrp="1" noRot="1" noChangeAspect="1"/>
+          </p:cNvSpPr>
+          <p:nvPr>
+            <p:ph type="sldImg"/>
+          </p:nvPr>
+        </p:nvSpPr>
+        <p:spPr/>
+      </p:sp>
+      <p:sp>
+        <p:nvSpPr>
+          <p:cNvPr id="3" name="Notes Placeholder 2"/>
+          <p:cNvSpPr>
+            <a:spLocks noGrp="1"/>
+          </p:cNvSpPr>
+          <p:nvPr>
+            <p:ph type="body" idx="1"/>
+          </p:nvPr>
+        </p:nvSpPr>
+        <p:spPr/>
+        <p:txBody>
+          <a:bodyPr/>
+          <a:lstStyle/>
+          <a:p>
+            <a:r>
+              <a:rPr lang="en-US" dirty="0"/>
+              <a:t>Notes</a:t>
+            </a:r>
+          </a:p>
+        </p:txBody>
+      </p:sp>
+      <p:sp>
+        <p:nvSpPr>
+          <p:cNvPr id="4" name="Slide Number Placeholder 3"/>
+          <p:cNvSpPr>
+            <a:spLocks noGrp="1"/>
+          </p:cNvSpPr>
+          <p:nvPr>
+            <p:ph type="sldNum" sz="quarter" idx="5"/>
+          </p:nvPr>
+        </p:nvSpPr>
+        <p:spPr/>
+        <p:txBody>
+          <a:bodyPr/>
+          <a:lstStyle/>
+          <a:p>
+            <a:fld id="{B4851E81-7F41-EB4B-84E5-4C7A20D67119}" type="slidenum">
+              <a:rPr lang="en-US" smtClean="0"/>
+              <a:t>7</a:t>
             </a:fld>
             <a:endParaRPr lang="en-US"/>
           </a:p>
@@ -1054,7 +1166,7 @@
           <a:p>
             <a:fld id="{F5C5F3B5-3541-5945-82E3-5D02619EBC1D}" type="datetimeFigureOut">
               <a:rPr lang="en-US" smtClean="0"/>
-              <a:t>2/20/23</a:t>
+              <a:t>2/21/23</a:t>
             </a:fld>
             <a:endParaRPr lang="en-US"/>
           </a:p>
@@ -1254,7 +1366,7 @@
           <a:p>
             <a:fld id="{F5C5F3B5-3541-5945-82E3-5D02619EBC1D}" type="datetimeFigureOut">
               <a:rPr lang="en-US" smtClean="0"/>
-              <a:t>2/20/23</a:t>
+              <a:t>2/21/23</a:t>
             </a:fld>
             <a:endParaRPr lang="en-US"/>
           </a:p>
@@ -1464,7 +1576,7 @@
           <a:p>
             <a:fld id="{F5C5F3B5-3541-5945-82E3-5D02619EBC1D}" type="datetimeFigureOut">
               <a:rPr lang="en-US" smtClean="0"/>
-              <a:t>2/20/23</a:t>
+              <a:t>2/21/23</a:t>
             </a:fld>
             <a:endParaRPr lang="en-US"/>
           </a:p>
@@ -1664,7 +1776,7 @@
           <a:p>
             <a:fld id="{F5C5F3B5-3541-5945-82E3-5D02619EBC1D}" type="datetimeFigureOut">
               <a:rPr lang="en-US" smtClean="0"/>
-              <a:t>2/20/23</a:t>
+              <a:t>2/21/23</a:t>
             </a:fld>
             <a:endParaRPr lang="en-US"/>
           </a:p>
@@ -1940,7 +2052,7 @@
           <a:p>
             <a:fld id="{F5C5F3B5-3541-5945-82E3-5D02619EBC1D}" type="datetimeFigureOut">
               <a:rPr lang="en-US" smtClean="0"/>
-              <a:t>2/20/23</a:t>
+              <a:t>2/21/23</a:t>
             </a:fld>
             <a:endParaRPr lang="en-US"/>
           </a:p>
@@ -2208,7 +2320,7 @@
           <a:p>
             <a:fld id="{F5C5F3B5-3541-5945-82E3-5D02619EBC1D}" type="datetimeFigureOut">
               <a:rPr lang="en-US" smtClean="0"/>
-              <a:t>2/20/23</a:t>
+              <a:t>2/21/23</a:t>
             </a:fld>
             <a:endParaRPr lang="en-US"/>
           </a:p>
@@ -2623,7 +2735,7 @@
           <a:p>
             <a:fld id="{F5C5F3B5-3541-5945-82E3-5D02619EBC1D}" type="datetimeFigureOut">
               <a:rPr lang="en-US" smtClean="0"/>
-              <a:t>2/20/23</a:t>
+              <a:t>2/21/23</a:t>
             </a:fld>
             <a:endParaRPr lang="en-US"/>
           </a:p>
@@ -2765,7 +2877,7 @@
           <a:p>
             <a:fld id="{F5C5F3B5-3541-5945-82E3-5D02619EBC1D}" type="datetimeFigureOut">
               <a:rPr lang="en-US" smtClean="0"/>
-              <a:t>2/20/23</a:t>
+              <a:t>2/21/23</a:t>
             </a:fld>
             <a:endParaRPr lang="en-US"/>
           </a:p>
@@ -2878,7 +2990,7 @@
           <a:p>
             <a:fld id="{F5C5F3B5-3541-5945-82E3-5D02619EBC1D}" type="datetimeFigureOut">
               <a:rPr lang="en-US" smtClean="0"/>
-              <a:t>2/20/23</a:t>
+              <a:t>2/21/23</a:t>
             </a:fld>
             <a:endParaRPr lang="en-US"/>
           </a:p>
@@ -3191,7 +3303,7 @@
           <a:p>
             <a:fld id="{F5C5F3B5-3541-5945-82E3-5D02619EBC1D}" type="datetimeFigureOut">
               <a:rPr lang="en-US" smtClean="0"/>
-              <a:t>2/20/23</a:t>
+              <a:t>2/21/23</a:t>
             </a:fld>
             <a:endParaRPr lang="en-US"/>
           </a:p>
@@ -3480,7 +3592,7 @@
           <a:p>
             <a:fld id="{F5C5F3B5-3541-5945-82E3-5D02619EBC1D}" type="datetimeFigureOut">
               <a:rPr lang="en-US" smtClean="0"/>
-              <a:t>2/20/23</a:t>
+              <a:t>2/21/23</a:t>
             </a:fld>
             <a:endParaRPr lang="en-US"/>
           </a:p>
@@ -3723,7 +3835,7 @@
           <a:p>
             <a:fld id="{F5C5F3B5-3541-5945-82E3-5D02619EBC1D}" type="datetimeFigureOut">
               <a:rPr lang="en-US" smtClean="0"/>
-              <a:t>2/20/23</a:t>
+              <a:t>2/21/23</a:t>
             </a:fld>
             <a:endParaRPr lang="en-US"/>
           </a:p>
@@ -6696,7 +6808,7 @@
           <a:p>
             <a:r>
               <a:rPr lang="en-US" dirty="0">
-                <a:hlinkClick r:id="rId3"/>
+                <a:hlinkClick r:id="rId4"/>
               </a:rPr>
               <a:t>calculator</a:t>
             </a:r>
@@ -6719,7 +6831,7 @@
           <p:nvPr/>
         </p:nvPicPr>
         <p:blipFill>
-          <a:blip r:embed="rId4"/>
+          <a:blip r:embed="rId5"/>
           <a:stretch>
             <a:fillRect/>
           </a:stretch>
@@ -6744,311 +6856,15 @@
   <p:clrMapOvr>
     <a:masterClrMapping/>
   </p:clrMapOvr>
+  <p:extLst>
+    <p:ext uri="{6950BFC3-D8DA-4A85-94F7-54DA5524770B}">
+      <p188:commentRel xmlns:p188="http://schemas.microsoft.com/office/powerpoint/2018/8/main" r:id="rId3"/>
+    </p:ext>
+  </p:extLst>
 </p:sld>
 </file>
 
 <file path=ppt/slides/slide4.xml><?xml version="1.0" encoding="utf-8"?>
-<p:sld xmlns:a="http://schemas.openxmlformats.org/drawingml/2006/main" xmlns:r="http://schemas.openxmlformats.org/officeDocument/2006/relationships" xmlns:p="http://schemas.openxmlformats.org/presentationml/2006/main">
-  <p:cSld>
-    <p:bg>
-      <p:bgPr>
-        <a:solidFill>
-          <a:schemeClr val="bg1"/>
-        </a:solidFill>
-        <a:effectLst/>
-      </p:bgPr>
-    </p:bg>
-    <p:spTree>
-      <p:nvGrpSpPr>
-        <p:cNvPr id="1" name=""/>
-        <p:cNvGrpSpPr/>
-        <p:nvPr/>
-      </p:nvGrpSpPr>
-      <p:grpSpPr>
-        <a:xfrm>
-          <a:off x="0" y="0"/>
-          <a:ext cx="0" cy="0"/>
-          <a:chOff x="0" y="0"/>
-          <a:chExt cx="0" cy="0"/>
-        </a:xfrm>
-      </p:grpSpPr>
-      <p:sp>
-        <p:nvSpPr>
-          <p:cNvPr id="2" name="Title 1">
-            <a:extLst>
-              <a:ext uri="{FF2B5EF4-FFF2-40B4-BE49-F238E27FC236}">
-                <a16:creationId xmlns:a16="http://schemas.microsoft.com/office/drawing/2014/main" id="{B7E29607-77A8-67DE-243F-E6E4DF8AC32D}"/>
-              </a:ext>
-            </a:extLst>
-          </p:cNvPr>
-          <p:cNvSpPr>
-            <a:spLocks noGrp="1"/>
-          </p:cNvSpPr>
-          <p:nvPr>
-            <p:ph type="title"/>
-          </p:nvPr>
-        </p:nvSpPr>
-        <p:spPr>
-          <a:xfrm>
-            <a:off x="4965430" y="629268"/>
-            <a:ext cx="6586491" cy="1286160"/>
-          </a:xfrm>
-        </p:spPr>
-        <p:txBody>
-          <a:bodyPr anchor="b">
-            <a:normAutofit/>
-          </a:bodyPr>
-          <a:lstStyle/>
-          <a:p>
-            <a:r>
-              <a:rPr lang="en-US"/>
-              <a:t>Assumptions</a:t>
-            </a:r>
-            <a:endParaRPr lang="en-US" dirty="0"/>
-          </a:p>
-        </p:txBody>
-      </p:sp>
-      <p:sp>
-        <p:nvSpPr>
-          <p:cNvPr id="15" name="Content Placeholder 2">
-            <a:extLst>
-              <a:ext uri="{FF2B5EF4-FFF2-40B4-BE49-F238E27FC236}">
-                <a16:creationId xmlns:a16="http://schemas.microsoft.com/office/drawing/2014/main" id="{020E4701-66E3-1FB4-ABED-9B4E4C19FF7E}"/>
-              </a:ext>
-            </a:extLst>
-          </p:cNvPr>
-          <p:cNvSpPr>
-            <a:spLocks noGrp="1"/>
-          </p:cNvSpPr>
-          <p:nvPr>
-            <p:ph idx="1"/>
-          </p:nvPr>
-        </p:nvSpPr>
-        <p:spPr>
-          <a:xfrm>
-            <a:off x="4965431" y="2438400"/>
-            <a:ext cx="6586489" cy="3785419"/>
-          </a:xfrm>
-        </p:spPr>
-        <p:txBody>
-          <a:bodyPr>
-            <a:normAutofit fontScale="92500" lnSpcReduction="20000"/>
-          </a:bodyPr>
-          <a:lstStyle/>
-          <a:p>
-            <a:r>
-              <a:rPr lang="en-US" sz="2000" dirty="0"/>
-              <a:t>Buyer owns a property and lives in it as main residence</a:t>
-            </a:r>
-          </a:p>
-          <a:p>
-            <a:pPr marL="0" indent="0">
-              <a:buNone/>
-            </a:pPr>
-            <a:r>
-              <a:rPr lang="en-US" sz="2000" dirty="0">
-                <a:solidFill>
-                  <a:srgbClr val="0070C0"/>
-                </a:solidFill>
-                <a:sym typeface="Wingdings" pitchFamily="2" charset="2"/>
-              </a:rPr>
-              <a:t>	 no relief for first-time buyers</a:t>
-            </a:r>
-          </a:p>
-          <a:p>
-            <a:pPr marL="0" indent="0">
-              <a:buNone/>
-            </a:pPr>
-            <a:endParaRPr lang="en-US" sz="2000" dirty="0"/>
-          </a:p>
-          <a:p>
-            <a:r>
-              <a:rPr lang="en-US" sz="2000" dirty="0"/>
-              <a:t>No business activity conducted from house (personal use)</a:t>
-            </a:r>
-          </a:p>
-          <a:p>
-            <a:pPr marL="0" indent="0">
-              <a:buNone/>
-            </a:pPr>
-            <a:r>
-              <a:rPr lang="en-US" sz="2000" dirty="0">
-                <a:sym typeface="Wingdings" pitchFamily="2" charset="2"/>
-              </a:rPr>
-              <a:t>	</a:t>
-            </a:r>
-            <a:r>
-              <a:rPr lang="en-US" sz="2000" dirty="0">
-                <a:solidFill>
-                  <a:srgbClr val="0070C0"/>
-                </a:solidFill>
-                <a:sym typeface="Wingdings" pitchFamily="2" charset="2"/>
-              </a:rPr>
-              <a:t> residential LBTT rates</a:t>
-            </a:r>
-          </a:p>
-          <a:p>
-            <a:pPr marL="0" indent="0">
-              <a:buNone/>
-            </a:pPr>
-            <a:endParaRPr lang="en-US" sz="2000" dirty="0"/>
-          </a:p>
-          <a:p>
-            <a:r>
-              <a:rPr lang="en-US" sz="2000" dirty="0"/>
-              <a:t>Buyer does not own any other properties</a:t>
-            </a:r>
-          </a:p>
-          <a:p>
-            <a:pPr marL="0" indent="0">
-              <a:buNone/>
-            </a:pPr>
-            <a:r>
-              <a:rPr lang="en-US" sz="2000" dirty="0">
-                <a:sym typeface="Wingdings" pitchFamily="2" charset="2"/>
-              </a:rPr>
-              <a:t>	</a:t>
-            </a:r>
-            <a:r>
-              <a:rPr lang="en-US" sz="2000" dirty="0">
-                <a:solidFill>
-                  <a:srgbClr val="0070C0"/>
-                </a:solidFill>
-                <a:sym typeface="Wingdings" pitchFamily="2" charset="2"/>
-              </a:rPr>
-              <a:t> no Additional Dwelling Supplement</a:t>
-            </a:r>
-          </a:p>
-          <a:p>
-            <a:pPr marL="0" indent="0">
-              <a:buNone/>
-            </a:pPr>
-            <a:endParaRPr lang="en-US" sz="2000" dirty="0"/>
-          </a:p>
-          <a:p>
-            <a:r>
-              <a:rPr lang="en-US" sz="2000" dirty="0"/>
-              <a:t>Buyer will only own one home as they sell current home</a:t>
-            </a:r>
-          </a:p>
-          <a:p>
-            <a:pPr marL="0" indent="0">
-              <a:buNone/>
-            </a:pPr>
-            <a:r>
-              <a:rPr lang="en-US" sz="2000" dirty="0">
-                <a:solidFill>
-                  <a:srgbClr val="0070C0"/>
-                </a:solidFill>
-                <a:sym typeface="Wingdings" pitchFamily="2" charset="2"/>
-              </a:rPr>
-              <a:t>	 no Additional Dwelling Supplement</a:t>
-            </a:r>
-          </a:p>
-          <a:p>
-            <a:pPr marL="0" indent="0">
-              <a:buNone/>
-            </a:pPr>
-            <a:endParaRPr lang="en-US" sz="2000" dirty="0"/>
-          </a:p>
-        </p:txBody>
-      </p:sp>
-      <p:pic>
-        <p:nvPicPr>
-          <p:cNvPr id="5" name="Picture 4" descr="Keys to a home">
-            <a:extLst>
-              <a:ext uri="{FF2B5EF4-FFF2-40B4-BE49-F238E27FC236}">
-                <a16:creationId xmlns:a16="http://schemas.microsoft.com/office/drawing/2014/main" id="{4CAC6F51-1FA2-7E90-B030-63A64888279B}"/>
-              </a:ext>
-            </a:extLst>
-          </p:cNvPr>
-          <p:cNvPicPr>
-            <a:picLocks noChangeAspect="1"/>
-          </p:cNvPicPr>
-          <p:nvPr/>
-        </p:nvPicPr>
-        <p:blipFill rotWithShape="1">
-          <a:blip r:embed="rId3"/>
-          <a:srcRect l="41236" r="13644" b="-1"/>
-          <a:stretch/>
-        </p:blipFill>
-        <p:spPr>
-          <a:xfrm>
-            <a:off x="20" y="10"/>
-            <a:ext cx="4635571" cy="6857990"/>
-          </a:xfrm>
-          <a:prstGeom prst="rect">
-            <a:avLst/>
-          </a:prstGeom>
-          <a:effectLst/>
-        </p:spPr>
-      </p:pic>
-      <p:cxnSp>
-        <p:nvCxnSpPr>
-          <p:cNvPr id="9" name="Straight Connector 8">
-            <a:extLst>
-              <a:ext uri="{FF2B5EF4-FFF2-40B4-BE49-F238E27FC236}">
-                <a16:creationId xmlns:a16="http://schemas.microsoft.com/office/drawing/2014/main" id="{A7F400EE-A8A5-48AF-B4D6-291B52C6F0B0}"/>
-              </a:ext>
-              <a:ext uri="{C183D7F6-B498-43B3-948B-1728B52AA6E4}">
-                <adec:decorative xmlns:adec="http://schemas.microsoft.com/office/drawing/2017/decorative" val="1"/>
-              </a:ext>
-            </a:extLst>
-          </p:cNvPr>
-          <p:cNvCxnSpPr>
-            <a:cxnSpLocks noGrp="1" noRot="1" noChangeAspect="1" noMove="1" noResize="1" noEditPoints="1" noAdjustHandles="1" noChangeArrowheads="1" noChangeShapeType="1"/>
-          </p:cNvCxnSpPr>
-          <p:nvPr>
-            <p:extLst>
-              <p:ext uri="{386F3935-93C4-4BCD-93E2-E3B085C9AB24}">
-                <p16:designElem xmlns:p16="http://schemas.microsoft.com/office/powerpoint/2015/main" val="1"/>
-              </p:ext>
-            </p:extLst>
-          </p:nvPr>
-        </p:nvCxnSpPr>
-        <p:spPr>
-          <a:xfrm>
-            <a:off x="5080934" y="2115117"/>
-            <a:ext cx="6309360" cy="0"/>
-          </a:xfrm>
-          <a:prstGeom prst="line">
-            <a:avLst/>
-          </a:prstGeom>
-          <a:ln w="19050">
-            <a:solidFill>
-              <a:srgbClr val="08C437"/>
-            </a:solidFill>
-          </a:ln>
-        </p:spPr>
-        <p:style>
-          <a:lnRef idx="1">
-            <a:schemeClr val="accent1"/>
-          </a:lnRef>
-          <a:fillRef idx="0">
-            <a:schemeClr val="accent1"/>
-          </a:fillRef>
-          <a:effectRef idx="0">
-            <a:schemeClr val="accent1"/>
-          </a:effectRef>
-          <a:fontRef idx="minor">
-            <a:schemeClr val="tx1"/>
-          </a:fontRef>
-        </p:style>
-      </p:cxnSp>
-    </p:spTree>
-    <p:extLst>
-      <p:ext uri="{BB962C8B-B14F-4D97-AF65-F5344CB8AC3E}">
-        <p14:creationId xmlns:p14="http://schemas.microsoft.com/office/powerpoint/2010/main" val="3918232571"/>
-      </p:ext>
-    </p:extLst>
-  </p:cSld>
-  <p:clrMapOvr>
-    <a:masterClrMapping/>
-  </p:clrMapOvr>
-</p:sld>
-</file>
-
-<file path=ppt/slides/slide5.xml><?xml version="1.0" encoding="utf-8"?>
 <p:sld xmlns:a="http://schemas.openxmlformats.org/drawingml/2006/main" xmlns:r="http://schemas.openxmlformats.org/officeDocument/2006/relationships" xmlns:p="http://schemas.openxmlformats.org/presentationml/2006/main">
   <p:cSld>
     <p:bg>
@@ -7526,7 +7342,484 @@
 </p:sld>
 </file>
 
+<file path=ppt/slides/slide5.xml><?xml version="1.0" encoding="utf-8"?>
+<p:sld xmlns:a="http://schemas.openxmlformats.org/drawingml/2006/main" xmlns:r="http://schemas.openxmlformats.org/officeDocument/2006/relationships" xmlns:p="http://schemas.openxmlformats.org/presentationml/2006/main">
+  <p:cSld>
+    <p:bg>
+      <p:bgPr>
+        <a:solidFill>
+          <a:schemeClr val="bg1"/>
+        </a:solidFill>
+        <a:effectLst/>
+      </p:bgPr>
+    </p:bg>
+    <p:spTree>
+      <p:nvGrpSpPr>
+        <p:cNvPr id="1" name=""/>
+        <p:cNvGrpSpPr/>
+        <p:nvPr/>
+      </p:nvGrpSpPr>
+      <p:grpSpPr>
+        <a:xfrm>
+          <a:off x="0" y="0"/>
+          <a:ext cx="0" cy="0"/>
+          <a:chOff x="0" y="0"/>
+          <a:chExt cx="0" cy="0"/>
+        </a:xfrm>
+      </p:grpSpPr>
+      <p:sp>
+        <p:nvSpPr>
+          <p:cNvPr id="2" name="Title 1">
+            <a:extLst>
+              <a:ext uri="{FF2B5EF4-FFF2-40B4-BE49-F238E27FC236}">
+                <a16:creationId xmlns:a16="http://schemas.microsoft.com/office/drawing/2014/main" id="{254B06D1-81FA-F983-7176-02CB92C393F7}"/>
+              </a:ext>
+            </a:extLst>
+          </p:cNvPr>
+          <p:cNvSpPr>
+            <a:spLocks noGrp="1"/>
+          </p:cNvSpPr>
+          <p:nvPr>
+            <p:ph type="title"/>
+          </p:nvPr>
+        </p:nvSpPr>
+        <p:spPr>
+          <a:xfrm>
+            <a:off x="481013" y="5419898"/>
+            <a:ext cx="5614987" cy="785638"/>
+          </a:xfrm>
+        </p:spPr>
+        <p:txBody>
+          <a:bodyPr vert="horz" lIns="91440" tIns="45720" rIns="91440" bIns="45720" rtlCol="0" anchor="ctr">
+            <a:normAutofit/>
+          </a:bodyPr>
+          <a:lstStyle/>
+          <a:p>
+            <a:r>
+              <a:rPr lang="en-US" sz="2400" dirty="0"/>
+              <a:t>Land Buildings Transaction Tax</a:t>
+            </a:r>
+          </a:p>
+        </p:txBody>
+      </p:sp>
+      <p:pic>
+        <p:nvPicPr>
+          <p:cNvPr id="8" name="Picture 7">
+            <a:extLst>
+              <a:ext uri="{FF2B5EF4-FFF2-40B4-BE49-F238E27FC236}">
+                <a16:creationId xmlns:a16="http://schemas.microsoft.com/office/drawing/2014/main" id="{2F4D382B-D011-D2E7-970C-DBE8C954069B}"/>
+              </a:ext>
+            </a:extLst>
+          </p:cNvPr>
+          <p:cNvPicPr>
+            <a:picLocks noChangeAspect="1"/>
+          </p:cNvPicPr>
+          <p:nvPr/>
+        </p:nvPicPr>
+        <p:blipFill rotWithShape="1">
+          <a:blip r:embed="rId3"/>
+          <a:srcRect t="7217" b="16218"/>
+          <a:stretch/>
+        </p:blipFill>
+        <p:spPr>
+          <a:xfrm>
+            <a:off x="332509" y="922929"/>
+            <a:ext cx="11526982" cy="3508212"/>
+          </a:xfrm>
+          <a:custGeom>
+            <a:avLst/>
+            <a:gdLst/>
+            <a:ahLst/>
+            <a:cxnLst/>
+            <a:rect l="l" t="t" r="r" b="b"/>
+            <a:pathLst>
+              <a:path w="12192000" h="3692092">
+                <a:moveTo>
+                  <a:pt x="0" y="0"/>
+                </a:moveTo>
+                <a:lnTo>
+                  <a:pt x="12192000" y="0"/>
+                </a:lnTo>
+                <a:lnTo>
+                  <a:pt x="12192000" y="3504824"/>
+                </a:lnTo>
+                <a:lnTo>
+                  <a:pt x="12024691" y="3517794"/>
+                </a:lnTo>
+                <a:cubicBezTo>
+                  <a:pt x="8077523" y="3783195"/>
+                  <a:pt x="4094678" y="3026959"/>
+                  <a:pt x="160485" y="3663863"/>
+                </a:cubicBezTo>
+                <a:lnTo>
+                  <a:pt x="0" y="3692092"/>
+                </a:lnTo>
+                <a:close/>
+              </a:path>
+            </a:pathLst>
+          </a:custGeom>
+        </p:spPr>
+      </p:pic>
+      <p:sp>
+        <p:nvSpPr>
+          <p:cNvPr id="6" name="TextBox 5">
+            <a:extLst>
+              <a:ext uri="{FF2B5EF4-FFF2-40B4-BE49-F238E27FC236}">
+                <a16:creationId xmlns:a16="http://schemas.microsoft.com/office/drawing/2014/main" id="{3073D808-710F-6DA0-7935-1C6932CD27A1}"/>
+              </a:ext>
+            </a:extLst>
+          </p:cNvPr>
+          <p:cNvSpPr txBox="1"/>
+          <p:nvPr/>
+        </p:nvSpPr>
+        <p:spPr>
+          <a:xfrm>
+            <a:off x="10510482" y="4979192"/>
+            <a:ext cx="7485413" cy="2452687"/>
+          </a:xfrm>
+          <a:prstGeom prst="rect">
+            <a:avLst/>
+          </a:prstGeom>
+        </p:spPr>
+        <p:txBody>
+          <a:bodyPr vert="horz" lIns="91440" tIns="45720" rIns="91440" bIns="45720" rtlCol="0" anchor="ctr">
+            <a:normAutofit/>
+          </a:bodyPr>
+          <a:lstStyle/>
+          <a:p>
+            <a:pPr>
+              <a:lnSpc>
+                <a:spcPct val="90000"/>
+              </a:lnSpc>
+              <a:spcAft>
+                <a:spcPts val="600"/>
+              </a:spcAft>
+            </a:pPr>
+            <a:r>
+              <a:rPr lang="en-US" dirty="0">
+                <a:hlinkClick r:id="rId4"/>
+              </a:rPr>
+              <a:t>calculator</a:t>
+            </a:r>
+            <a:endParaRPr lang="en-US" dirty="0"/>
+          </a:p>
+        </p:txBody>
+      </p:sp>
+    </p:spTree>
+    <p:extLst>
+      <p:ext uri="{BB962C8B-B14F-4D97-AF65-F5344CB8AC3E}">
+        <p14:creationId xmlns:p14="http://schemas.microsoft.com/office/powerpoint/2010/main" val="3355258628"/>
+      </p:ext>
+    </p:extLst>
+  </p:cSld>
+  <p:clrMapOvr>
+    <a:masterClrMapping/>
+  </p:clrMapOvr>
+</p:sld>
+</file>
+
 <file path=ppt/slides/slide6.xml><?xml version="1.0" encoding="utf-8"?>
+<p:sld xmlns:a="http://schemas.openxmlformats.org/drawingml/2006/main" xmlns:r="http://schemas.openxmlformats.org/officeDocument/2006/relationships" xmlns:p="http://schemas.openxmlformats.org/presentationml/2006/main">
+  <p:cSld>
+    <p:bg>
+      <p:bgPr>
+        <a:solidFill>
+          <a:schemeClr val="bg1"/>
+        </a:solidFill>
+        <a:effectLst/>
+      </p:bgPr>
+    </p:bg>
+    <p:spTree>
+      <p:nvGrpSpPr>
+        <p:cNvPr id="1" name=""/>
+        <p:cNvGrpSpPr/>
+        <p:nvPr/>
+      </p:nvGrpSpPr>
+      <p:grpSpPr>
+        <a:xfrm>
+          <a:off x="0" y="0"/>
+          <a:ext cx="0" cy="0"/>
+          <a:chOff x="0" y="0"/>
+          <a:chExt cx="0" cy="0"/>
+        </a:xfrm>
+      </p:grpSpPr>
+      <p:sp>
+        <p:nvSpPr>
+          <p:cNvPr id="2" name="Title 1">
+            <a:extLst>
+              <a:ext uri="{FF2B5EF4-FFF2-40B4-BE49-F238E27FC236}">
+                <a16:creationId xmlns:a16="http://schemas.microsoft.com/office/drawing/2014/main" id="{B7E29607-77A8-67DE-243F-E6E4DF8AC32D}"/>
+              </a:ext>
+            </a:extLst>
+          </p:cNvPr>
+          <p:cNvSpPr>
+            <a:spLocks noGrp="1"/>
+          </p:cNvSpPr>
+          <p:nvPr>
+            <p:ph type="title"/>
+          </p:nvPr>
+        </p:nvSpPr>
+        <p:spPr>
+          <a:xfrm>
+            <a:off x="4965430" y="629268"/>
+            <a:ext cx="6586491" cy="1286160"/>
+          </a:xfrm>
+        </p:spPr>
+        <p:txBody>
+          <a:bodyPr anchor="b">
+            <a:normAutofit/>
+          </a:bodyPr>
+          <a:lstStyle/>
+          <a:p>
+            <a:r>
+              <a:rPr lang="en-US"/>
+              <a:t>Assumptions</a:t>
+            </a:r>
+            <a:endParaRPr lang="en-US" dirty="0"/>
+          </a:p>
+        </p:txBody>
+      </p:sp>
+      <p:sp>
+        <p:nvSpPr>
+          <p:cNvPr id="15" name="Content Placeholder 2">
+            <a:extLst>
+              <a:ext uri="{FF2B5EF4-FFF2-40B4-BE49-F238E27FC236}">
+                <a16:creationId xmlns:a16="http://schemas.microsoft.com/office/drawing/2014/main" id="{020E4701-66E3-1FB4-ABED-9B4E4C19FF7E}"/>
+              </a:ext>
+            </a:extLst>
+          </p:cNvPr>
+          <p:cNvSpPr>
+            <a:spLocks noGrp="1"/>
+          </p:cNvSpPr>
+          <p:nvPr>
+            <p:ph idx="1"/>
+          </p:nvPr>
+        </p:nvSpPr>
+        <p:spPr>
+          <a:xfrm>
+            <a:off x="4965431" y="2438400"/>
+            <a:ext cx="6586489" cy="3785419"/>
+          </a:xfrm>
+        </p:spPr>
+        <p:txBody>
+          <a:bodyPr>
+            <a:normAutofit fontScale="92500" lnSpcReduction="20000"/>
+          </a:bodyPr>
+          <a:lstStyle/>
+          <a:p>
+            <a:r>
+              <a:rPr lang="en-US" sz="2000" dirty="0"/>
+              <a:t>Buyer owns a property and lives in it as main residence</a:t>
+            </a:r>
+          </a:p>
+          <a:p>
+            <a:pPr marL="0" indent="0">
+              <a:buNone/>
+            </a:pPr>
+            <a:r>
+              <a:rPr lang="en-US" sz="2000" dirty="0">
+                <a:solidFill>
+                  <a:srgbClr val="0070C0"/>
+                </a:solidFill>
+                <a:sym typeface="Wingdings" pitchFamily="2" charset="2"/>
+              </a:rPr>
+              <a:t>	 no relief for first-time buyers</a:t>
+            </a:r>
+          </a:p>
+          <a:p>
+            <a:pPr marL="0" indent="0">
+              <a:buNone/>
+            </a:pPr>
+            <a:endParaRPr lang="en-US" sz="2000" dirty="0"/>
+          </a:p>
+          <a:p>
+            <a:r>
+              <a:rPr lang="en-US" sz="2000" dirty="0"/>
+              <a:t>No business activity conducted from house (personal use)</a:t>
+            </a:r>
+          </a:p>
+          <a:p>
+            <a:pPr marL="0" indent="0">
+              <a:buNone/>
+            </a:pPr>
+            <a:r>
+              <a:rPr lang="en-US" sz="2000" dirty="0">
+                <a:sym typeface="Wingdings" pitchFamily="2" charset="2"/>
+              </a:rPr>
+              <a:t>	</a:t>
+            </a:r>
+            <a:r>
+              <a:rPr lang="en-US" sz="2000" dirty="0">
+                <a:solidFill>
+                  <a:srgbClr val="0070C0"/>
+                </a:solidFill>
+                <a:sym typeface="Wingdings" pitchFamily="2" charset="2"/>
+              </a:rPr>
+              <a:t> residential LBTT rates</a:t>
+            </a:r>
+          </a:p>
+          <a:p>
+            <a:pPr marL="0" indent="0">
+              <a:buNone/>
+            </a:pPr>
+            <a:endParaRPr lang="en-US" sz="2000" dirty="0"/>
+          </a:p>
+          <a:p>
+            <a:r>
+              <a:rPr lang="en-US" sz="2000" dirty="0"/>
+              <a:t>Buyer does not own any other properties</a:t>
+            </a:r>
+          </a:p>
+          <a:p>
+            <a:pPr marL="0" indent="0">
+              <a:buNone/>
+            </a:pPr>
+            <a:r>
+              <a:rPr lang="en-US" sz="2000" dirty="0">
+                <a:sym typeface="Wingdings" pitchFamily="2" charset="2"/>
+              </a:rPr>
+              <a:t>	</a:t>
+            </a:r>
+            <a:r>
+              <a:rPr lang="en-US" sz="2000" dirty="0">
+                <a:solidFill>
+                  <a:srgbClr val="0070C0"/>
+                </a:solidFill>
+                <a:sym typeface="Wingdings" pitchFamily="2" charset="2"/>
+              </a:rPr>
+              <a:t> no Additional Dwelling Supplement</a:t>
+            </a:r>
+          </a:p>
+          <a:p>
+            <a:pPr marL="0" indent="0">
+              <a:buNone/>
+            </a:pPr>
+            <a:endParaRPr lang="en-US" sz="2000" dirty="0"/>
+          </a:p>
+          <a:p>
+            <a:r>
+              <a:rPr lang="en-US" sz="2000" dirty="0"/>
+              <a:t>Buyer will only own one home as they sell current home</a:t>
+            </a:r>
+          </a:p>
+          <a:p>
+            <a:pPr marL="0" indent="0">
+              <a:buNone/>
+            </a:pPr>
+            <a:r>
+              <a:rPr lang="en-US" sz="2000" dirty="0">
+                <a:solidFill>
+                  <a:srgbClr val="0070C0"/>
+                </a:solidFill>
+                <a:sym typeface="Wingdings" pitchFamily="2" charset="2"/>
+              </a:rPr>
+              <a:t>	 no Additional Dwelling Supplement</a:t>
+            </a:r>
+          </a:p>
+          <a:p>
+            <a:pPr marL="0" indent="0">
+              <a:buNone/>
+            </a:pPr>
+            <a:endParaRPr lang="en-US" sz="2000" dirty="0"/>
+          </a:p>
+        </p:txBody>
+      </p:sp>
+      <p:pic>
+        <p:nvPicPr>
+          <p:cNvPr id="5" name="Picture 4" descr="Keys to a home">
+            <a:extLst>
+              <a:ext uri="{FF2B5EF4-FFF2-40B4-BE49-F238E27FC236}">
+                <a16:creationId xmlns:a16="http://schemas.microsoft.com/office/drawing/2014/main" id="{4CAC6F51-1FA2-7E90-B030-63A64888279B}"/>
+              </a:ext>
+            </a:extLst>
+          </p:cNvPr>
+          <p:cNvPicPr>
+            <a:picLocks noChangeAspect="1"/>
+          </p:cNvPicPr>
+          <p:nvPr/>
+        </p:nvPicPr>
+        <p:blipFill rotWithShape="1">
+          <a:blip r:embed="rId3"/>
+          <a:srcRect l="41236" r="13644" b="-1"/>
+          <a:stretch/>
+        </p:blipFill>
+        <p:spPr>
+          <a:xfrm>
+            <a:off x="20" y="10"/>
+            <a:ext cx="4635571" cy="6857990"/>
+          </a:xfrm>
+          <a:prstGeom prst="rect">
+            <a:avLst/>
+          </a:prstGeom>
+          <a:effectLst/>
+        </p:spPr>
+      </p:pic>
+      <p:cxnSp>
+        <p:nvCxnSpPr>
+          <p:cNvPr id="9" name="Straight Connector 8">
+            <a:extLst>
+              <a:ext uri="{FF2B5EF4-FFF2-40B4-BE49-F238E27FC236}">
+                <a16:creationId xmlns:a16="http://schemas.microsoft.com/office/drawing/2014/main" id="{A7F400EE-A8A5-48AF-B4D6-291B52C6F0B0}"/>
+              </a:ext>
+              <a:ext uri="{C183D7F6-B498-43B3-948B-1728B52AA6E4}">
+                <adec:decorative xmlns:adec="http://schemas.microsoft.com/office/drawing/2017/decorative" val="1"/>
+              </a:ext>
+            </a:extLst>
+          </p:cNvPr>
+          <p:cNvCxnSpPr>
+            <a:cxnSpLocks noGrp="1" noRot="1" noChangeAspect="1" noMove="1" noResize="1" noEditPoints="1" noAdjustHandles="1" noChangeArrowheads="1" noChangeShapeType="1"/>
+          </p:cNvCxnSpPr>
+          <p:nvPr>
+            <p:extLst>
+              <p:ext uri="{386F3935-93C4-4BCD-93E2-E3B085C9AB24}">
+                <p16:designElem xmlns:p16="http://schemas.microsoft.com/office/powerpoint/2015/main" val="1"/>
+              </p:ext>
+            </p:extLst>
+          </p:nvPr>
+        </p:nvCxnSpPr>
+        <p:spPr>
+          <a:xfrm>
+            <a:off x="5080934" y="2115117"/>
+            <a:ext cx="6309360" cy="0"/>
+          </a:xfrm>
+          <a:prstGeom prst="line">
+            <a:avLst/>
+          </a:prstGeom>
+          <a:ln w="19050">
+            <a:solidFill>
+              <a:srgbClr val="08C437"/>
+            </a:solidFill>
+          </a:ln>
+        </p:spPr>
+        <p:style>
+          <a:lnRef idx="1">
+            <a:schemeClr val="accent1"/>
+          </a:lnRef>
+          <a:fillRef idx="0">
+            <a:schemeClr val="accent1"/>
+          </a:fillRef>
+          <a:effectRef idx="0">
+            <a:schemeClr val="accent1"/>
+          </a:effectRef>
+          <a:fontRef idx="minor">
+            <a:schemeClr val="tx1"/>
+          </a:fontRef>
+        </p:style>
+      </p:cxnSp>
+    </p:spTree>
+    <p:extLst>
+      <p:ext uri="{BB962C8B-B14F-4D97-AF65-F5344CB8AC3E}">
+        <p14:creationId xmlns:p14="http://schemas.microsoft.com/office/powerpoint/2010/main" val="3918232571"/>
+      </p:ext>
+    </p:extLst>
+  </p:cSld>
+  <p:clrMapOvr>
+    <a:masterClrMapping/>
+  </p:clrMapOvr>
+</p:sld>
+</file>
+
+<file path=ppt/slides/slide7.xml><?xml version="1.0" encoding="utf-8"?>
 <p:sld xmlns:a="http://schemas.openxmlformats.org/drawingml/2006/main" xmlns:r="http://schemas.openxmlformats.org/officeDocument/2006/relationships" xmlns:p="http://schemas.openxmlformats.org/presentationml/2006/main">
   <p:cSld>
     <p:spTree>
@@ -7606,7 +7899,7 @@
 </p:sld>
 </file>
 
-<file path=ppt/slides/slide7.xml><?xml version="1.0" encoding="utf-8"?>
+<file path=ppt/slides/slide8.xml><?xml version="1.0" encoding="utf-8"?>
 <p:sld xmlns:a="http://schemas.openxmlformats.org/drawingml/2006/main" xmlns:r="http://schemas.openxmlformats.org/officeDocument/2006/relationships" xmlns:p="http://schemas.openxmlformats.org/presentationml/2006/main">
   <p:cSld>
     <p:spTree>

--- a/presentation/Presentation1.pptx
+++ b/presentation/Presentation1.pptx
@@ -5,7 +5,7 @@
     <p:sldMasterId id="2147483648" r:id="rId1"/>
   </p:sldMasterIdLst>
   <p:notesMasterIdLst>
-    <p:notesMasterId r:id="rId10"/>
+    <p:notesMasterId r:id="rId11"/>
   </p:notesMasterIdLst>
   <p:sldIdLst>
     <p:sldId id="256" r:id="rId2"/>
@@ -13,9 +13,10 @@
     <p:sldId id="260" r:id="rId4"/>
     <p:sldId id="259" r:id="rId5"/>
     <p:sldId id="263" r:id="rId6"/>
-    <p:sldId id="258" r:id="rId7"/>
-    <p:sldId id="262" r:id="rId8"/>
-    <p:sldId id="261" r:id="rId9"/>
+    <p:sldId id="264" r:id="rId7"/>
+    <p:sldId id="258" r:id="rId8"/>
+    <p:sldId id="262" r:id="rId9"/>
+    <p:sldId id="261" r:id="rId10"/>
   </p:sldIdLst>
   <p:sldSz cx="12192000" cy="6858000"/>
   <p:notesSz cx="6858000" cy="9144000"/>
@@ -231,7 +232,7 @@
           <a:p>
             <a:fld id="{52B4180B-107C-FD42-82F3-49E9BB9A0BC5}" type="datetimeFigureOut">
               <a:rPr lang="en-US" smtClean="0"/>
-              <a:t>2/21/23</a:t>
+              <a:t>2/22/23</a:t>
             </a:fld>
             <a:endParaRPr lang="en-US"/>
           </a:p>
@@ -863,33 +864,6 @@
           <a:bodyPr/>
           <a:lstStyle/>
           <a:p>
-            <a:pPr marL="0" marR="0" lvl="0" indent="0" algn="l" defTabSz="914400" rtl="0" eaLnBrk="1" fontAlgn="auto" latinLnBrk="0" hangingPunct="1">
-              <a:lnSpc>
-                <a:spcPct val="100000"/>
-              </a:lnSpc>
-              <a:spcBef>
-                <a:spcPts val="0"/>
-              </a:spcBef>
-              <a:spcAft>
-                <a:spcPts val="0"/>
-              </a:spcAft>
-              <a:buClrTx/>
-              <a:buSzTx/>
-              <a:buFontTx/>
-              <a:buNone/>
-              <a:tabLst/>
-              <a:defRPr/>
-            </a:pPr>
-            <a:r>
-              <a:rPr lang="en-GB" sz="1200" dirty="0">
-                <a:effectLst/>
-                <a:latin typeface="Calibri" panose="020F0502020204030204" pitchFamily="34" charset="0"/>
-              </a:rPr>
-              <a:t>understanding in unfamiliar business domains, </a:t>
-            </a:r>
-            <a:endParaRPr lang="en-GB" dirty="0"/>
-          </a:p>
-          <a:p>
             <a:endParaRPr lang="en-US" dirty="0"/>
           </a:p>
         </p:txBody>
@@ -920,7 +894,7 @@
     </p:spTree>
     <p:extLst>
       <p:ext uri="{BB962C8B-B14F-4D97-AF65-F5344CB8AC3E}">
-        <p14:creationId xmlns:p14="http://schemas.microsoft.com/office/powerpoint/2010/main" val="469721052"/>
+        <p14:creationId xmlns:p14="http://schemas.microsoft.com/office/powerpoint/2010/main" val="2626839216"/>
       </p:ext>
     </p:extLst>
   </p:cSld>
@@ -974,10 +948,34 @@
           <a:bodyPr/>
           <a:lstStyle/>
           <a:p>
-            <a:r>
-              <a:rPr lang="en-US" dirty="0"/>
-              <a:t>Notes</a:t>
-            </a:r>
+            <a:pPr marL="0" marR="0" lvl="0" indent="0" algn="l" defTabSz="914400" rtl="0" eaLnBrk="1" fontAlgn="auto" latinLnBrk="0" hangingPunct="1">
+              <a:lnSpc>
+                <a:spcPct val="100000"/>
+              </a:lnSpc>
+              <a:spcBef>
+                <a:spcPts val="0"/>
+              </a:spcBef>
+              <a:spcAft>
+                <a:spcPts val="0"/>
+              </a:spcAft>
+              <a:buClrTx/>
+              <a:buSzTx/>
+              <a:buFontTx/>
+              <a:buNone/>
+              <a:tabLst/>
+              <a:defRPr/>
+            </a:pPr>
+            <a:r>
+              <a:rPr lang="en-GB" sz="1200" dirty="0">
+                <a:effectLst/>
+                <a:latin typeface="Calibri" panose="020F0502020204030204" pitchFamily="34" charset="0"/>
+              </a:rPr>
+              <a:t>understanding in unfamiliar business domains, </a:t>
+            </a:r>
+            <a:endParaRPr lang="en-GB" dirty="0"/>
+          </a:p>
+          <a:p>
+            <a:endParaRPr lang="en-US" dirty="0"/>
           </a:p>
         </p:txBody>
       </p:sp>
@@ -999,6 +997,93 @@
             <a:fld id="{B4851E81-7F41-EB4B-84E5-4C7A20D67119}" type="slidenum">
               <a:rPr lang="en-US" smtClean="0"/>
               <a:t>7</a:t>
+            </a:fld>
+            <a:endParaRPr lang="en-US"/>
+          </a:p>
+        </p:txBody>
+      </p:sp>
+    </p:spTree>
+    <p:extLst>
+      <p:ext uri="{BB962C8B-B14F-4D97-AF65-F5344CB8AC3E}">
+        <p14:creationId xmlns:p14="http://schemas.microsoft.com/office/powerpoint/2010/main" val="469721052"/>
+      </p:ext>
+    </p:extLst>
+  </p:cSld>
+  <p:clrMapOvr>
+    <a:masterClrMapping/>
+  </p:clrMapOvr>
+</p:notes>
+</file>
+
+<file path=ppt/notesSlides/notesSlide6.xml><?xml version="1.0" encoding="utf-8"?>
+<p:notes xmlns:a="http://schemas.openxmlformats.org/drawingml/2006/main" xmlns:r="http://schemas.openxmlformats.org/officeDocument/2006/relationships" xmlns:p="http://schemas.openxmlformats.org/presentationml/2006/main">
+  <p:cSld>
+    <p:spTree>
+      <p:nvGrpSpPr>
+        <p:cNvPr id="1" name=""/>
+        <p:cNvGrpSpPr/>
+        <p:nvPr/>
+      </p:nvGrpSpPr>
+      <p:grpSpPr>
+        <a:xfrm>
+          <a:off x="0" y="0"/>
+          <a:ext cx="0" cy="0"/>
+          <a:chOff x="0" y="0"/>
+          <a:chExt cx="0" cy="0"/>
+        </a:xfrm>
+      </p:grpSpPr>
+      <p:sp>
+        <p:nvSpPr>
+          <p:cNvPr id="2" name="Slide Image Placeholder 1"/>
+          <p:cNvSpPr>
+            <a:spLocks noGrp="1" noRot="1" noChangeAspect="1"/>
+          </p:cNvSpPr>
+          <p:nvPr>
+            <p:ph type="sldImg"/>
+          </p:nvPr>
+        </p:nvSpPr>
+        <p:spPr/>
+      </p:sp>
+      <p:sp>
+        <p:nvSpPr>
+          <p:cNvPr id="3" name="Notes Placeholder 2"/>
+          <p:cNvSpPr>
+            <a:spLocks noGrp="1"/>
+          </p:cNvSpPr>
+          <p:nvPr>
+            <p:ph type="body" idx="1"/>
+          </p:nvPr>
+        </p:nvSpPr>
+        <p:spPr/>
+        <p:txBody>
+          <a:bodyPr/>
+          <a:lstStyle/>
+          <a:p>
+            <a:r>
+              <a:rPr lang="en-US" dirty="0"/>
+              <a:t>Notes</a:t>
+            </a:r>
+          </a:p>
+        </p:txBody>
+      </p:sp>
+      <p:sp>
+        <p:nvSpPr>
+          <p:cNvPr id="4" name="Slide Number Placeholder 3"/>
+          <p:cNvSpPr>
+            <a:spLocks noGrp="1"/>
+          </p:cNvSpPr>
+          <p:nvPr>
+            <p:ph type="sldNum" sz="quarter" idx="5"/>
+          </p:nvPr>
+        </p:nvSpPr>
+        <p:spPr/>
+        <p:txBody>
+          <a:bodyPr/>
+          <a:lstStyle/>
+          <a:p>
+            <a:fld id="{B4851E81-7F41-EB4B-84E5-4C7A20D67119}" type="slidenum">
+              <a:rPr lang="en-US" smtClean="0"/>
+              <a:t>8</a:t>
             </a:fld>
             <a:endParaRPr lang="en-US"/>
           </a:p>
@@ -1166,7 +1251,7 @@
           <a:p>
             <a:fld id="{F5C5F3B5-3541-5945-82E3-5D02619EBC1D}" type="datetimeFigureOut">
               <a:rPr lang="en-US" smtClean="0"/>
-              <a:t>2/21/23</a:t>
+              <a:t>2/22/23</a:t>
             </a:fld>
             <a:endParaRPr lang="en-US"/>
           </a:p>
@@ -1366,7 +1451,7 @@
           <a:p>
             <a:fld id="{F5C5F3B5-3541-5945-82E3-5D02619EBC1D}" type="datetimeFigureOut">
               <a:rPr lang="en-US" smtClean="0"/>
-              <a:t>2/21/23</a:t>
+              <a:t>2/22/23</a:t>
             </a:fld>
             <a:endParaRPr lang="en-US"/>
           </a:p>
@@ -1576,7 +1661,7 @@
           <a:p>
             <a:fld id="{F5C5F3B5-3541-5945-82E3-5D02619EBC1D}" type="datetimeFigureOut">
               <a:rPr lang="en-US" smtClean="0"/>
-              <a:t>2/21/23</a:t>
+              <a:t>2/22/23</a:t>
             </a:fld>
             <a:endParaRPr lang="en-US"/>
           </a:p>
@@ -1776,7 +1861,7 @@
           <a:p>
             <a:fld id="{F5C5F3B5-3541-5945-82E3-5D02619EBC1D}" type="datetimeFigureOut">
               <a:rPr lang="en-US" smtClean="0"/>
-              <a:t>2/21/23</a:t>
+              <a:t>2/22/23</a:t>
             </a:fld>
             <a:endParaRPr lang="en-US"/>
           </a:p>
@@ -2052,7 +2137,7 @@
           <a:p>
             <a:fld id="{F5C5F3B5-3541-5945-82E3-5D02619EBC1D}" type="datetimeFigureOut">
               <a:rPr lang="en-US" smtClean="0"/>
-              <a:t>2/21/23</a:t>
+              <a:t>2/22/23</a:t>
             </a:fld>
             <a:endParaRPr lang="en-US"/>
           </a:p>
@@ -2320,7 +2405,7 @@
           <a:p>
             <a:fld id="{F5C5F3B5-3541-5945-82E3-5D02619EBC1D}" type="datetimeFigureOut">
               <a:rPr lang="en-US" smtClean="0"/>
-              <a:t>2/21/23</a:t>
+              <a:t>2/22/23</a:t>
             </a:fld>
             <a:endParaRPr lang="en-US"/>
           </a:p>
@@ -2735,7 +2820,7 @@
           <a:p>
             <a:fld id="{F5C5F3B5-3541-5945-82E3-5D02619EBC1D}" type="datetimeFigureOut">
               <a:rPr lang="en-US" smtClean="0"/>
-              <a:t>2/21/23</a:t>
+              <a:t>2/22/23</a:t>
             </a:fld>
             <a:endParaRPr lang="en-US"/>
           </a:p>
@@ -2877,7 +2962,7 @@
           <a:p>
             <a:fld id="{F5C5F3B5-3541-5945-82E3-5D02619EBC1D}" type="datetimeFigureOut">
               <a:rPr lang="en-US" smtClean="0"/>
-              <a:t>2/21/23</a:t>
+              <a:t>2/22/23</a:t>
             </a:fld>
             <a:endParaRPr lang="en-US"/>
           </a:p>
@@ -2990,7 +3075,7 @@
           <a:p>
             <a:fld id="{F5C5F3B5-3541-5945-82E3-5D02619EBC1D}" type="datetimeFigureOut">
               <a:rPr lang="en-US" smtClean="0"/>
-              <a:t>2/21/23</a:t>
+              <a:t>2/22/23</a:t>
             </a:fld>
             <a:endParaRPr lang="en-US"/>
           </a:p>
@@ -3303,7 +3388,7 @@
           <a:p>
             <a:fld id="{F5C5F3B5-3541-5945-82E3-5D02619EBC1D}" type="datetimeFigureOut">
               <a:rPr lang="en-US" smtClean="0"/>
-              <a:t>2/21/23</a:t>
+              <a:t>2/22/23</a:t>
             </a:fld>
             <a:endParaRPr lang="en-US"/>
           </a:p>
@@ -3592,7 +3677,7 @@
           <a:p>
             <a:fld id="{F5C5F3B5-3541-5945-82E3-5D02619EBC1D}" type="datetimeFigureOut">
               <a:rPr lang="en-US" smtClean="0"/>
-              <a:t>2/21/23</a:t>
+              <a:t>2/22/23</a:t>
             </a:fld>
             <a:endParaRPr lang="en-US"/>
           </a:p>
@@ -3835,7 +3920,7 @@
           <a:p>
             <a:fld id="{F5C5F3B5-3541-5945-82E3-5D02619EBC1D}" type="datetimeFigureOut">
               <a:rPr lang="en-US" smtClean="0"/>
-              <a:t>2/21/23</a:t>
+              <a:t>2/22/23</a:t>
             </a:fld>
             <a:endParaRPr lang="en-US"/>
           </a:p>
@@ -7286,8 +7371,8 @@
         </p:blipFill>
         <p:spPr>
           <a:xfrm>
-            <a:off x="4654296" y="1237069"/>
-            <a:ext cx="6903720" cy="4383861"/>
+            <a:off x="5759109" y="744247"/>
+            <a:ext cx="5819835" cy="3695594"/>
           </a:xfrm>
           <a:prstGeom prst="rect">
             <a:avLst/>
@@ -7308,8 +7393,8 @@
         </p:nvSpPr>
         <p:spPr>
           <a:xfrm>
-            <a:off x="2568725" y="4935130"/>
-            <a:ext cx="2085571" cy="369332"/>
+            <a:off x="6095805" y="4350081"/>
+            <a:ext cx="2727623" cy="369332"/>
           </a:xfrm>
           <a:prstGeom prst="rect">
             <a:avLst/>
@@ -7317,6 +7402,71 @@
           <a:noFill/>
         </p:spPr>
         <p:txBody>
+          <a:bodyPr wrap="square" rtlCol="0">
+            <a:spAutoFit/>
+          </a:bodyPr>
+          <a:lstStyle/>
+          <a:p>
+            <a:r>
+              <a:rPr lang="en-US" dirty="0"/>
+              <a:t>Residential property</a:t>
+            </a:r>
+          </a:p>
+        </p:txBody>
+      </p:sp>
+      <p:pic>
+        <p:nvPicPr>
+          <p:cNvPr id="3" name="Picture 2">
+            <a:extLst>
+              <a:ext uri="{FF2B5EF4-FFF2-40B4-BE49-F238E27FC236}">
+                <a16:creationId xmlns:a16="http://schemas.microsoft.com/office/drawing/2014/main" id="{4966FE67-A6C1-A419-02FD-BF0AE39F54C8}"/>
+              </a:ext>
+            </a:extLst>
+          </p:cNvPr>
+          <p:cNvPicPr>
+            <a:picLocks noChangeAspect="1"/>
+          </p:cNvPicPr>
+          <p:nvPr/>
+        </p:nvPicPr>
+        <p:blipFill>
+          <a:blip r:embed="rId4"/>
+          <a:stretch>
+            <a:fillRect/>
+          </a:stretch>
+        </p:blipFill>
+        <p:spPr>
+          <a:xfrm>
+            <a:off x="191535" y="3104240"/>
+            <a:ext cx="4910994" cy="2790337"/>
+          </a:xfrm>
+          <a:prstGeom prst="rect">
+            <a:avLst/>
+          </a:prstGeom>
+        </p:spPr>
+      </p:pic>
+      <p:sp>
+        <p:nvSpPr>
+          <p:cNvPr id="5" name="TextBox 4">
+            <a:extLst>
+              <a:ext uri="{FF2B5EF4-FFF2-40B4-BE49-F238E27FC236}">
+                <a16:creationId xmlns:a16="http://schemas.microsoft.com/office/drawing/2014/main" id="{8BA4F912-ADB7-2973-F851-4F49BDAE6CFC}"/>
+              </a:ext>
+            </a:extLst>
+          </p:cNvPr>
+          <p:cNvSpPr txBox="1"/>
+          <p:nvPr/>
+        </p:nvSpPr>
+        <p:spPr>
+          <a:xfrm>
+            <a:off x="630936" y="5964426"/>
+            <a:ext cx="3021405" cy="369332"/>
+          </a:xfrm>
+          <a:prstGeom prst="rect">
+            <a:avLst/>
+          </a:prstGeom>
+          <a:noFill/>
+        </p:spPr>
+        <p:txBody>
           <a:bodyPr wrap="none" rtlCol="0">
             <a:spAutoFit/>
           </a:bodyPr>
@@ -7324,7 +7474,7 @@
           <a:p>
             <a:r>
               <a:rPr lang="en-US" dirty="0"/>
-              <a:t>Residential property</a:t>
+              <a:t>Non-residential property rates</a:t>
             </a:r>
           </a:p>
         </p:txBody>
@@ -7397,69 +7547,11 @@
           <a:p>
             <a:r>
               <a:rPr lang="en-US" sz="2400" dirty="0"/>
-              <a:t>Land Buildings Transaction Tax</a:t>
-            </a:r>
-          </a:p>
-        </p:txBody>
-      </p:sp>
-      <p:pic>
-        <p:nvPicPr>
-          <p:cNvPr id="8" name="Picture 7">
-            <a:extLst>
-              <a:ext uri="{FF2B5EF4-FFF2-40B4-BE49-F238E27FC236}">
-                <a16:creationId xmlns:a16="http://schemas.microsoft.com/office/drawing/2014/main" id="{2F4D382B-D011-D2E7-970C-DBE8C954069B}"/>
-              </a:ext>
-            </a:extLst>
-          </p:cNvPr>
-          <p:cNvPicPr>
-            <a:picLocks noChangeAspect="1"/>
-          </p:cNvPicPr>
-          <p:nvPr/>
-        </p:nvPicPr>
-        <p:blipFill rotWithShape="1">
-          <a:blip r:embed="rId3"/>
-          <a:srcRect t="7217" b="16218"/>
-          <a:stretch/>
-        </p:blipFill>
-        <p:spPr>
-          <a:xfrm>
-            <a:off x="332509" y="922929"/>
-            <a:ext cx="11526982" cy="3508212"/>
-          </a:xfrm>
-          <a:custGeom>
-            <a:avLst/>
-            <a:gdLst/>
-            <a:ahLst/>
-            <a:cxnLst/>
-            <a:rect l="l" t="t" r="r" b="b"/>
-            <a:pathLst>
-              <a:path w="12192000" h="3692092">
-                <a:moveTo>
-                  <a:pt x="0" y="0"/>
-                </a:moveTo>
-                <a:lnTo>
-                  <a:pt x="12192000" y="0"/>
-                </a:lnTo>
-                <a:lnTo>
-                  <a:pt x="12192000" y="3504824"/>
-                </a:lnTo>
-                <a:lnTo>
-                  <a:pt x="12024691" y="3517794"/>
-                </a:lnTo>
-                <a:cubicBezTo>
-                  <a:pt x="8077523" y="3783195"/>
-                  <a:pt x="4094678" y="3026959"/>
-                  <a:pt x="160485" y="3663863"/>
-                </a:cubicBezTo>
-                <a:lnTo>
-                  <a:pt x="0" y="3692092"/>
-                </a:lnTo>
-                <a:close/>
-              </a:path>
-            </a:pathLst>
-          </a:custGeom>
-        </p:spPr>
-      </p:pic>
+              <a:t>Land Buildings Transaction Tax - Residential</a:t>
+            </a:r>
+          </a:p>
+        </p:txBody>
+      </p:sp>
       <p:sp>
         <p:nvSpPr>
           <p:cNvPr id="6" name="TextBox 5">
@@ -7497,7 +7589,7 @@
             </a:pPr>
             <a:r>
               <a:rPr lang="en-US" dirty="0">
-                <a:hlinkClick r:id="rId4"/>
+                <a:hlinkClick r:id="rId3"/>
               </a:rPr>
               <a:t>calculator</a:t>
             </a:r>
@@ -7505,6 +7597,36 @@
           </a:p>
         </p:txBody>
       </p:sp>
+      <p:pic>
+        <p:nvPicPr>
+          <p:cNvPr id="4" name="Picture 3">
+            <a:extLst>
+              <a:ext uri="{FF2B5EF4-FFF2-40B4-BE49-F238E27FC236}">
+                <a16:creationId xmlns:a16="http://schemas.microsoft.com/office/drawing/2014/main" id="{56F7F56D-6236-68EC-576C-0EF701351D0D}"/>
+              </a:ext>
+            </a:extLst>
+          </p:cNvPr>
+          <p:cNvPicPr>
+            <a:picLocks noChangeAspect="1"/>
+          </p:cNvPicPr>
+          <p:nvPr/>
+        </p:nvPicPr>
+        <p:blipFill>
+          <a:blip r:embed="rId4"/>
+          <a:stretch>
+            <a:fillRect/>
+          </a:stretch>
+        </p:blipFill>
+        <p:spPr>
+          <a:xfrm>
+            <a:off x="240507" y="652464"/>
+            <a:ext cx="11710986" cy="4603162"/>
+          </a:xfrm>
+          <a:prstGeom prst="rect">
+            <a:avLst/>
+          </a:prstGeom>
+        </p:spPr>
+      </p:pic>
     </p:spTree>
     <p:extLst>
       <p:ext uri="{BB962C8B-B14F-4D97-AF65-F5344CB8AC3E}">
@@ -7519,6 +7641,173 @@
 </file>
 
 <file path=ppt/slides/slide6.xml><?xml version="1.0" encoding="utf-8"?>
+<p:sld xmlns:a="http://schemas.openxmlformats.org/drawingml/2006/main" xmlns:r="http://schemas.openxmlformats.org/officeDocument/2006/relationships" xmlns:p="http://schemas.openxmlformats.org/presentationml/2006/main">
+  <p:cSld>
+    <p:bg>
+      <p:bgPr>
+        <a:solidFill>
+          <a:schemeClr val="bg1"/>
+        </a:solidFill>
+        <a:effectLst/>
+      </p:bgPr>
+    </p:bg>
+    <p:spTree>
+      <p:nvGrpSpPr>
+        <p:cNvPr id="1" name=""/>
+        <p:cNvGrpSpPr/>
+        <p:nvPr/>
+      </p:nvGrpSpPr>
+      <p:grpSpPr>
+        <a:xfrm>
+          <a:off x="0" y="0"/>
+          <a:ext cx="0" cy="0"/>
+          <a:chOff x="0" y="0"/>
+          <a:chExt cx="0" cy="0"/>
+        </a:xfrm>
+      </p:grpSpPr>
+      <p:pic>
+        <p:nvPicPr>
+          <p:cNvPr id="3" name="Picture 2">
+            <a:extLst>
+              <a:ext uri="{FF2B5EF4-FFF2-40B4-BE49-F238E27FC236}">
+                <a16:creationId xmlns:a16="http://schemas.microsoft.com/office/drawing/2014/main" id="{289DCB2E-D422-B60E-1C32-EDE291C92311}"/>
+              </a:ext>
+            </a:extLst>
+          </p:cNvPr>
+          <p:cNvPicPr>
+            <a:picLocks noChangeAspect="1"/>
+          </p:cNvPicPr>
+          <p:nvPr/>
+        </p:nvPicPr>
+        <p:blipFill>
+          <a:blip r:embed="rId3"/>
+          <a:stretch>
+            <a:fillRect/>
+          </a:stretch>
+        </p:blipFill>
+        <p:spPr>
+          <a:xfrm>
+            <a:off x="3172690" y="0"/>
+            <a:ext cx="7800109" cy="6858180"/>
+          </a:xfrm>
+          <a:prstGeom prst="rect">
+            <a:avLst/>
+          </a:prstGeom>
+        </p:spPr>
+      </p:pic>
+      <p:sp>
+        <p:nvSpPr>
+          <p:cNvPr id="8" name="Title 1">
+            <a:extLst>
+              <a:ext uri="{FF2B5EF4-FFF2-40B4-BE49-F238E27FC236}">
+                <a16:creationId xmlns:a16="http://schemas.microsoft.com/office/drawing/2014/main" id="{EFA097EE-41D6-5716-7F51-74A5CE49D13F}"/>
+              </a:ext>
+            </a:extLst>
+          </p:cNvPr>
+          <p:cNvSpPr txBox="1">
+            <a:spLocks/>
+          </p:cNvSpPr>
+          <p:nvPr/>
+        </p:nvSpPr>
+        <p:spPr>
+          <a:xfrm>
+            <a:off x="481013" y="5419898"/>
+            <a:ext cx="5614987" cy="785638"/>
+          </a:xfrm>
+          <a:prstGeom prst="rect">
+            <a:avLst/>
+          </a:prstGeom>
+        </p:spPr>
+        <p:txBody>
+          <a:bodyPr vert="horz" lIns="91440" tIns="45720" rIns="91440" bIns="45720" rtlCol="0" anchor="ctr">
+            <a:normAutofit/>
+          </a:bodyPr>
+          <a:lstStyle>
+            <a:lvl1pPr algn="l" defTabSz="914400" rtl="0" eaLnBrk="1" latinLnBrk="0" hangingPunct="1">
+              <a:lnSpc>
+                <a:spcPct val="90000"/>
+              </a:lnSpc>
+              <a:spcBef>
+                <a:spcPct val="0"/>
+              </a:spcBef>
+              <a:buNone/>
+              <a:defRPr sz="4400" kern="1200">
+                <a:solidFill>
+                  <a:schemeClr val="tx1"/>
+                </a:solidFill>
+                <a:latin typeface="+mj-lt"/>
+                <a:ea typeface="+mj-ea"/>
+                <a:cs typeface="+mj-cs"/>
+              </a:defRPr>
+            </a:lvl1pPr>
+          </a:lstStyle>
+          <a:p>
+            <a:r>
+              <a:rPr lang="en-US" sz="2400" dirty="0"/>
+              <a:t>LBTT- Non-residential</a:t>
+            </a:r>
+          </a:p>
+        </p:txBody>
+      </p:sp>
+      <p:sp>
+        <p:nvSpPr>
+          <p:cNvPr id="9" name="TextBox 8">
+            <a:extLst>
+              <a:ext uri="{FF2B5EF4-FFF2-40B4-BE49-F238E27FC236}">
+                <a16:creationId xmlns:a16="http://schemas.microsoft.com/office/drawing/2014/main" id="{BA0FF5CB-EAA9-362E-E266-79AB4203E6D2}"/>
+              </a:ext>
+            </a:extLst>
+          </p:cNvPr>
+          <p:cNvSpPr txBox="1"/>
+          <p:nvPr/>
+        </p:nvSpPr>
+        <p:spPr>
+          <a:xfrm>
+            <a:off x="10510482" y="4979192"/>
+            <a:ext cx="7485413" cy="2452687"/>
+          </a:xfrm>
+          <a:prstGeom prst="rect">
+            <a:avLst/>
+          </a:prstGeom>
+        </p:spPr>
+        <p:txBody>
+          <a:bodyPr vert="horz" lIns="91440" tIns="45720" rIns="91440" bIns="45720" rtlCol="0" anchor="ctr">
+            <a:normAutofit/>
+          </a:bodyPr>
+          <a:lstStyle/>
+          <a:p>
+            <a:pPr>
+              <a:lnSpc>
+                <a:spcPct val="90000"/>
+              </a:lnSpc>
+              <a:spcAft>
+                <a:spcPts val="600"/>
+              </a:spcAft>
+            </a:pPr>
+            <a:r>
+              <a:rPr lang="en-US" dirty="0">
+                <a:hlinkClick r:id="rId4"/>
+              </a:rPr>
+              <a:t>calculator</a:t>
+            </a:r>
+            <a:endParaRPr lang="en-US" dirty="0"/>
+          </a:p>
+        </p:txBody>
+      </p:sp>
+    </p:spTree>
+    <p:extLst>
+      <p:ext uri="{BB962C8B-B14F-4D97-AF65-F5344CB8AC3E}">
+        <p14:creationId xmlns:p14="http://schemas.microsoft.com/office/powerpoint/2010/main" val="2010090711"/>
+      </p:ext>
+    </p:extLst>
+  </p:cSld>
+  <p:clrMapOvr>
+    <a:masterClrMapping/>
+  </p:clrMapOvr>
+</p:sld>
+</file>
+
+<file path=ppt/slides/slide7.xml><?xml version="1.0" encoding="utf-8"?>
 <p:sld xmlns:a="http://schemas.openxmlformats.org/drawingml/2006/main" xmlns:r="http://schemas.openxmlformats.org/officeDocument/2006/relationships" xmlns:p="http://schemas.openxmlformats.org/presentationml/2006/main">
   <p:cSld>
     <p:bg>
@@ -7819,7 +8108,7 @@
 </p:sld>
 </file>
 
-<file path=ppt/slides/slide7.xml><?xml version="1.0" encoding="utf-8"?>
+<file path=ppt/slides/slide8.xml><?xml version="1.0" encoding="utf-8"?>
 <p:sld xmlns:a="http://schemas.openxmlformats.org/drawingml/2006/main" xmlns:r="http://schemas.openxmlformats.org/officeDocument/2006/relationships" xmlns:p="http://schemas.openxmlformats.org/presentationml/2006/main">
   <p:cSld>
     <p:spTree>
@@ -7899,7 +8188,7 @@
 </p:sld>
 </file>
 
-<file path=ppt/slides/slide8.xml><?xml version="1.0" encoding="utf-8"?>
+<file path=ppt/slides/slide9.xml><?xml version="1.0" encoding="utf-8"?>
 <p:sld xmlns:a="http://schemas.openxmlformats.org/drawingml/2006/main" xmlns:r="http://schemas.openxmlformats.org/officeDocument/2006/relationships" xmlns:p="http://schemas.openxmlformats.org/presentationml/2006/main">
   <p:cSld>
     <p:spTree>
